--- a/Chou/HGTV - Project Analysis.pptx
+++ b/Chou/HGTV - Project Analysis.pptx
@@ -24,10 +24,13 @@
     <p:sldId id="262" r:id="rId18"/>
     <p:sldId id="280" r:id="rId19"/>
     <p:sldId id="281" r:id="rId20"/>
-    <p:sldId id="277" r:id="rId21"/>
-    <p:sldId id="278" r:id="rId22"/>
-    <p:sldId id="279" r:id="rId23"/>
-    <p:sldId id="273" r:id="rId24"/>
+    <p:sldId id="283" r:id="rId21"/>
+    <p:sldId id="285" r:id="rId22"/>
+    <p:sldId id="284" r:id="rId23"/>
+    <p:sldId id="277" r:id="rId24"/>
+    <p:sldId id="278" r:id="rId25"/>
+    <p:sldId id="279" r:id="rId26"/>
+    <p:sldId id="273" r:id="rId27"/>
   </p:sldIdLst>
   <p:sldSz cx="12192000" cy="6858000"/>
   <p:notesSz cx="6858000" cy="9144000"/>
@@ -126,345 +129,12 @@
       </a:defRPr>
     </a:lvl9pPr>
   </p:defaultTextStyle>
+  <p:extLst>
+    <p:ext uri="{EFAFB233-063F-42B5-8137-9DF3F51BA10A}">
+      <p15:sldGuideLst xmlns:p15="http://schemas.microsoft.com/office/powerpoint/2012/main"/>
+    </p:ext>
+  </p:extLst>
 </p:presentation>
-</file>
-
-<file path=ppt/changesInfos/changesInfo1.xml><?xml version="1.0" encoding="utf-8"?>
-<pc:chgInfo xmlns:a="http://schemas.openxmlformats.org/drawingml/2006/main" xmlns:r="http://schemas.openxmlformats.org/officeDocument/2006/relationships" xmlns:ac="http://schemas.microsoft.com/office/drawing/2013/main/command" xmlns:pc="http://schemas.microsoft.com/office/powerpoint/2013/main/command">
-  <pc:docChgLst>
-    <pc:chgData name="Chou Khang" userId="d451ba41b7051148" providerId="LiveId" clId="{A3E0E71D-B3BC-4DD0-9AD3-E2CF2A43CB5D}"/>
-    <pc:docChg chg="undo custSel addSld delSld modSld sldOrd">
-      <pc:chgData name="Chou Khang" userId="d451ba41b7051148" providerId="LiveId" clId="{A3E0E71D-B3BC-4DD0-9AD3-E2CF2A43CB5D}" dt="2019-04-12T02:25:44.960" v="330" actId="1076"/>
-      <pc:docMkLst>
-        <pc:docMk/>
-      </pc:docMkLst>
-      <pc:sldChg chg="del ord">
-        <pc:chgData name="Chou Khang" userId="d451ba41b7051148" providerId="LiveId" clId="{A3E0E71D-B3BC-4DD0-9AD3-E2CF2A43CB5D}" dt="2019-04-12T01:53:54.122" v="107" actId="2696"/>
-        <pc:sldMkLst>
-          <pc:docMk/>
-          <pc:sldMk cId="343287797" sldId="256"/>
-        </pc:sldMkLst>
-      </pc:sldChg>
-      <pc:sldChg chg="modSp">
-        <pc:chgData name="Chou Khang" userId="d451ba41b7051148" providerId="LiveId" clId="{A3E0E71D-B3BC-4DD0-9AD3-E2CF2A43CB5D}" dt="2019-04-12T01:54:08.900" v="108" actId="313"/>
-        <pc:sldMkLst>
-          <pc:docMk/>
-          <pc:sldMk cId="3553122795" sldId="258"/>
-        </pc:sldMkLst>
-        <pc:spChg chg="mod">
-          <ac:chgData name="Chou Khang" userId="d451ba41b7051148" providerId="LiveId" clId="{A3E0E71D-B3BC-4DD0-9AD3-E2CF2A43CB5D}" dt="2019-04-12T01:54:08.900" v="108" actId="313"/>
-          <ac:spMkLst>
-            <pc:docMk/>
-            <pc:sldMk cId="3553122795" sldId="258"/>
-            <ac:spMk id="3" creationId="{5BFC656C-1F21-4CE4-B197-838B91575530}"/>
-          </ac:spMkLst>
-        </pc:spChg>
-      </pc:sldChg>
-      <pc:sldChg chg="addSp delSp modSp">
-        <pc:chgData name="Chou Khang" userId="d451ba41b7051148" providerId="LiveId" clId="{A3E0E71D-B3BC-4DD0-9AD3-E2CF2A43CB5D}" dt="2019-04-12T02:24:20.152" v="327" actId="478"/>
-        <pc:sldMkLst>
-          <pc:docMk/>
-          <pc:sldMk cId="418111976" sldId="262"/>
-        </pc:sldMkLst>
-        <pc:spChg chg="add del mod">
-          <ac:chgData name="Chou Khang" userId="d451ba41b7051148" providerId="LiveId" clId="{A3E0E71D-B3BC-4DD0-9AD3-E2CF2A43CB5D}" dt="2019-04-12T02:24:20.152" v="327" actId="478"/>
-          <ac:spMkLst>
-            <pc:docMk/>
-            <pc:sldMk cId="418111976" sldId="262"/>
-            <ac:spMk id="6" creationId="{A36F4E9F-12F8-48D1-977A-12BF298E062D}"/>
-          </ac:spMkLst>
-        </pc:spChg>
-        <pc:spChg chg="add mod">
-          <ac:chgData name="Chou Khang" userId="d451ba41b7051148" providerId="LiveId" clId="{A3E0E71D-B3BC-4DD0-9AD3-E2CF2A43CB5D}" dt="2019-04-12T02:23:53.885" v="324" actId="1076"/>
-          <ac:spMkLst>
-            <pc:docMk/>
-            <pc:sldMk cId="418111976" sldId="262"/>
-            <ac:spMk id="7" creationId="{4B0EBBD2-DC31-4D4E-A92D-48298F4557A7}"/>
-          </ac:spMkLst>
-        </pc:spChg>
-        <pc:picChg chg="del">
-          <ac:chgData name="Chou Khang" userId="d451ba41b7051148" providerId="LiveId" clId="{A3E0E71D-B3BC-4DD0-9AD3-E2CF2A43CB5D}" dt="2019-04-12T02:23:43.729" v="322" actId="478"/>
-          <ac:picMkLst>
-            <pc:docMk/>
-            <pc:sldMk cId="418111976" sldId="262"/>
-            <ac:picMk id="3" creationId="{412F70E8-6DD9-46E4-A511-8FA9EB72BF1D}"/>
-          </ac:picMkLst>
-        </pc:picChg>
-        <pc:picChg chg="del">
-          <ac:chgData name="Chou Khang" userId="d451ba41b7051148" providerId="LiveId" clId="{A3E0E71D-B3BC-4DD0-9AD3-E2CF2A43CB5D}" dt="2019-04-12T02:23:33.395" v="320" actId="478"/>
-          <ac:picMkLst>
-            <pc:docMk/>
-            <pc:sldMk cId="418111976" sldId="262"/>
-            <ac:picMk id="4" creationId="{0707EC4B-B5A9-434D-A323-1E82AD1B6C16}"/>
-          </ac:picMkLst>
-        </pc:picChg>
-        <pc:picChg chg="add mod">
-          <ac:chgData name="Chou Khang" userId="d451ba41b7051148" providerId="LiveId" clId="{A3E0E71D-B3BC-4DD0-9AD3-E2CF2A43CB5D}" dt="2019-04-12T02:23:53.885" v="324" actId="1076"/>
-          <ac:picMkLst>
-            <pc:docMk/>
-            <pc:sldMk cId="418111976" sldId="262"/>
-            <ac:picMk id="8" creationId="{7175F7DA-5236-4205-93A0-B51760A98DCB}"/>
-          </ac:picMkLst>
-        </pc:picChg>
-        <pc:picChg chg="add mod">
-          <ac:chgData name="Chou Khang" userId="d451ba41b7051148" providerId="LiveId" clId="{A3E0E71D-B3BC-4DD0-9AD3-E2CF2A43CB5D}" dt="2019-04-12T02:24:13.001" v="326" actId="1076"/>
-          <ac:picMkLst>
-            <pc:docMk/>
-            <pc:sldMk cId="418111976" sldId="262"/>
-            <ac:picMk id="9" creationId="{6F876492-10C1-46B9-A3E3-974273E5FEEF}"/>
-          </ac:picMkLst>
-        </pc:picChg>
-      </pc:sldChg>
-      <pc:sldChg chg="modSp">
-        <pc:chgData name="Chou Khang" userId="d451ba41b7051148" providerId="LiveId" clId="{A3E0E71D-B3BC-4DD0-9AD3-E2CF2A43CB5D}" dt="2019-04-12T01:50:44.196" v="35" actId="20577"/>
-        <pc:sldMkLst>
-          <pc:docMk/>
-          <pc:sldMk cId="3549977425" sldId="266"/>
-        </pc:sldMkLst>
-        <pc:spChg chg="mod">
-          <ac:chgData name="Chou Khang" userId="d451ba41b7051148" providerId="LiveId" clId="{A3E0E71D-B3BC-4DD0-9AD3-E2CF2A43CB5D}" dt="2019-04-12T01:50:44.196" v="35" actId="20577"/>
-          <ac:spMkLst>
-            <pc:docMk/>
-            <pc:sldMk cId="3549977425" sldId="266"/>
-            <ac:spMk id="3" creationId="{CC6CA012-F9C4-4922-9243-29C09143507E}"/>
-          </ac:spMkLst>
-        </pc:spChg>
-      </pc:sldChg>
-      <pc:sldChg chg="modSp add">
-        <pc:chgData name="Chou Khang" userId="d451ba41b7051148" providerId="LiveId" clId="{A3E0E71D-B3BC-4DD0-9AD3-E2CF2A43CB5D}" dt="2019-04-12T01:50:08.743" v="18" actId="20577"/>
-        <pc:sldMkLst>
-          <pc:docMk/>
-          <pc:sldMk cId="68204861" sldId="274"/>
-        </pc:sldMkLst>
-        <pc:spChg chg="mod">
-          <ac:chgData name="Chou Khang" userId="d451ba41b7051148" providerId="LiveId" clId="{A3E0E71D-B3BC-4DD0-9AD3-E2CF2A43CB5D}" dt="2019-04-12T01:50:04.322" v="13" actId="20577"/>
-          <ac:spMkLst>
-            <pc:docMk/>
-            <pc:sldMk cId="68204861" sldId="274"/>
-            <ac:spMk id="2" creationId="{EA82D114-6FA6-421D-A461-7C1ABCC97707}"/>
-          </ac:spMkLst>
-        </pc:spChg>
-        <pc:spChg chg="mod">
-          <ac:chgData name="Chou Khang" userId="d451ba41b7051148" providerId="LiveId" clId="{A3E0E71D-B3BC-4DD0-9AD3-E2CF2A43CB5D}" dt="2019-04-12T01:50:08.743" v="18" actId="20577"/>
-          <ac:spMkLst>
-            <pc:docMk/>
-            <pc:sldMk cId="68204861" sldId="274"/>
-            <ac:spMk id="3" creationId="{126F2354-ED5D-4F0A-B4EE-542FE41A1E38}"/>
-          </ac:spMkLst>
-        </pc:spChg>
-      </pc:sldChg>
-      <pc:sldChg chg="addSp modSp add del">
-        <pc:chgData name="Chou Khang" userId="d451ba41b7051148" providerId="LiveId" clId="{A3E0E71D-B3BC-4DD0-9AD3-E2CF2A43CB5D}" dt="2019-04-12T02:11:16.206" v="211" actId="2696"/>
-        <pc:sldMkLst>
-          <pc:docMk/>
-          <pc:sldMk cId="571425403" sldId="275"/>
-        </pc:sldMkLst>
-        <pc:spChg chg="add mod">
-          <ac:chgData name="Chou Khang" userId="d451ba41b7051148" providerId="LiveId" clId="{A3E0E71D-B3BC-4DD0-9AD3-E2CF2A43CB5D}" dt="2019-04-12T01:53:31.977" v="102" actId="1076"/>
-          <ac:spMkLst>
-            <pc:docMk/>
-            <pc:sldMk cId="571425403" sldId="275"/>
-            <ac:spMk id="3" creationId="{C3DE6736-5377-4CC7-BBB1-F55982B98F48}"/>
-          </ac:spMkLst>
-        </pc:spChg>
-        <pc:spChg chg="add mod">
-          <ac:chgData name="Chou Khang" userId="d451ba41b7051148" providerId="LiveId" clId="{A3E0E71D-B3BC-4DD0-9AD3-E2CF2A43CB5D}" dt="2019-04-12T01:53:45.888" v="106" actId="20577"/>
-          <ac:spMkLst>
-            <pc:docMk/>
-            <pc:sldMk cId="571425403" sldId="275"/>
-            <ac:spMk id="4" creationId="{FF9B0E5D-4656-4857-85AC-88FF357D8F26}"/>
-          </ac:spMkLst>
-        </pc:spChg>
-        <pc:picChg chg="add mod">
-          <ac:chgData name="Chou Khang" userId="d451ba41b7051148" providerId="LiveId" clId="{A3E0E71D-B3BC-4DD0-9AD3-E2CF2A43CB5D}" dt="2019-04-12T01:53:25.667" v="101" actId="1076"/>
-          <ac:picMkLst>
-            <pc:docMk/>
-            <pc:sldMk cId="571425403" sldId="275"/>
-            <ac:picMk id="2" creationId="{42E80033-192B-4011-BB18-9E97D8F1A15F}"/>
-          </ac:picMkLst>
-        </pc:picChg>
-      </pc:sldChg>
-      <pc:sldChg chg="addSp delSp modSp add">
-        <pc:chgData name="Chou Khang" userId="d451ba41b7051148" providerId="LiveId" clId="{A3E0E71D-B3BC-4DD0-9AD3-E2CF2A43CB5D}" dt="2019-04-12T02:25:44.960" v="330" actId="1076"/>
-        <pc:sldMkLst>
-          <pc:docMk/>
-          <pc:sldMk cId="3650042772" sldId="276"/>
-        </pc:sldMkLst>
-        <pc:spChg chg="add mod">
-          <ac:chgData name="Chou Khang" userId="d451ba41b7051148" providerId="LiveId" clId="{A3E0E71D-B3BC-4DD0-9AD3-E2CF2A43CB5D}" dt="2019-04-12T02:05:10.080" v="130" actId="14100"/>
-          <ac:spMkLst>
-            <pc:docMk/>
-            <pc:sldMk cId="3650042772" sldId="276"/>
-            <ac:spMk id="2" creationId="{B5747BD3-90E7-4E73-B77B-524C411E97FC}"/>
-          </ac:spMkLst>
-        </pc:spChg>
-        <pc:spChg chg="add mod">
-          <ac:chgData name="Chou Khang" userId="d451ba41b7051148" providerId="LiveId" clId="{A3E0E71D-B3BC-4DD0-9AD3-E2CF2A43CB5D}" dt="2019-04-12T02:03:51.166" v="123" actId="1582"/>
-          <ac:spMkLst>
-            <pc:docMk/>
-            <pc:sldMk cId="3650042772" sldId="276"/>
-            <ac:spMk id="3" creationId="{9F198F7C-B1F0-4972-AD07-5FCEB664A7A1}"/>
-          </ac:spMkLst>
-        </pc:spChg>
-        <pc:spChg chg="add del mod">
-          <ac:chgData name="Chou Khang" userId="d451ba41b7051148" providerId="LiveId" clId="{A3E0E71D-B3BC-4DD0-9AD3-E2CF2A43CB5D}" dt="2019-04-12T02:04:03.144" v="125" actId="478"/>
-          <ac:spMkLst>
-            <pc:docMk/>
-            <pc:sldMk cId="3650042772" sldId="276"/>
-            <ac:spMk id="4" creationId="{08ABCCC2-F355-4192-9759-11D689BAE465}"/>
-          </ac:spMkLst>
-        </pc:spChg>
-        <pc:spChg chg="add mod">
-          <ac:chgData name="Chou Khang" userId="d451ba41b7051148" providerId="LiveId" clId="{A3E0E71D-B3BC-4DD0-9AD3-E2CF2A43CB5D}" dt="2019-04-12T02:06:36.125" v="138" actId="1076"/>
-          <ac:spMkLst>
-            <pc:docMk/>
-            <pc:sldMk cId="3650042772" sldId="276"/>
-            <ac:spMk id="5" creationId="{D9B521D2-50AB-47C7-B9BD-176778D58CC6}"/>
-          </ac:spMkLst>
-        </pc:spChg>
-        <pc:spChg chg="add mod">
-          <ac:chgData name="Chou Khang" userId="d451ba41b7051148" providerId="LiveId" clId="{A3E0E71D-B3BC-4DD0-9AD3-E2CF2A43CB5D}" dt="2019-04-12T02:07:46.607" v="161" actId="1076"/>
-          <ac:spMkLst>
-            <pc:docMk/>
-            <pc:sldMk cId="3650042772" sldId="276"/>
-            <ac:spMk id="6" creationId="{2FB272E6-C530-49CB-BC7F-BC80002DB517}"/>
-          </ac:spMkLst>
-        </pc:spChg>
-        <pc:spChg chg="add mod">
-          <ac:chgData name="Chou Khang" userId="d451ba41b7051148" providerId="LiveId" clId="{A3E0E71D-B3BC-4DD0-9AD3-E2CF2A43CB5D}" dt="2019-04-12T02:08:35.263" v="203" actId="1076"/>
-          <ac:spMkLst>
-            <pc:docMk/>
-            <pc:sldMk cId="3650042772" sldId="276"/>
-            <ac:spMk id="7" creationId="{4A9DC0B1-43FD-49C6-AD36-3E2C2B6CFFD6}"/>
-          </ac:spMkLst>
-        </pc:spChg>
-        <pc:spChg chg="add mod ord">
-          <ac:chgData name="Chou Khang" userId="d451ba41b7051148" providerId="LiveId" clId="{A3E0E71D-B3BC-4DD0-9AD3-E2CF2A43CB5D}" dt="2019-04-12T02:25:44.960" v="330" actId="1076"/>
-          <ac:spMkLst>
-            <pc:docMk/>
-            <pc:sldMk cId="3650042772" sldId="276"/>
-            <ac:spMk id="8" creationId="{29B789CD-1B36-4E91-89DB-C2846D80A4DC}"/>
-          </ac:spMkLst>
-        </pc:spChg>
-        <pc:picChg chg="add mod">
-          <ac:chgData name="Chou Khang" userId="d451ba41b7051148" providerId="LiveId" clId="{A3E0E71D-B3BC-4DD0-9AD3-E2CF2A43CB5D}" dt="2019-04-12T02:02:09.325" v="112" actId="1076"/>
-          <ac:picMkLst>
-            <pc:docMk/>
-            <pc:sldMk cId="3650042772" sldId="276"/>
-            <ac:picMk id="1026" creationId="{3E2DFED2-1F72-4D31-A64E-B5FEB4336E00}"/>
-          </ac:picMkLst>
-        </pc:picChg>
-      </pc:sldChg>
-      <pc:sldChg chg="modSp add">
-        <pc:chgData name="Chou Khang" userId="d451ba41b7051148" providerId="LiveId" clId="{A3E0E71D-B3BC-4DD0-9AD3-E2CF2A43CB5D}" dt="2019-04-12T02:17:48.292" v="226" actId="20577"/>
-        <pc:sldMkLst>
-          <pc:docMk/>
-          <pc:sldMk cId="2435507314" sldId="277"/>
-        </pc:sldMkLst>
-        <pc:spChg chg="mod">
-          <ac:chgData name="Chou Khang" userId="d451ba41b7051148" providerId="LiveId" clId="{A3E0E71D-B3BC-4DD0-9AD3-E2CF2A43CB5D}" dt="2019-04-12T02:17:48.292" v="226" actId="20577"/>
-          <ac:spMkLst>
-            <pc:docMk/>
-            <pc:sldMk cId="2435507314" sldId="277"/>
-            <ac:spMk id="2" creationId="{6F9C015B-ACEA-4501-B729-7E5812676820}"/>
-          </ac:spMkLst>
-        </pc:spChg>
-      </pc:sldChg>
-      <pc:sldChg chg="addSp modSp add ord">
-        <pc:chgData name="Chou Khang" userId="d451ba41b7051148" providerId="LiveId" clId="{A3E0E71D-B3BC-4DD0-9AD3-E2CF2A43CB5D}" dt="2019-04-12T02:19:08.940" v="241" actId="14100"/>
-        <pc:sldMkLst>
-          <pc:docMk/>
-          <pc:sldMk cId="184947885" sldId="278"/>
-        </pc:sldMkLst>
-        <pc:picChg chg="add mod">
-          <ac:chgData name="Chou Khang" userId="d451ba41b7051148" providerId="LiveId" clId="{A3E0E71D-B3BC-4DD0-9AD3-E2CF2A43CB5D}" dt="2019-04-12T02:19:08.940" v="241" actId="14100"/>
-          <ac:picMkLst>
-            <pc:docMk/>
-            <pc:sldMk cId="184947885" sldId="278"/>
-            <ac:picMk id="2" creationId="{6EEDA1B2-1736-4AE2-9EEB-548745CFB4F1}"/>
-          </ac:picMkLst>
-        </pc:picChg>
-      </pc:sldChg>
-      <pc:sldChg chg="addSp modSp add">
-        <pc:chgData name="Chou Khang" userId="d451ba41b7051148" providerId="LiveId" clId="{A3E0E71D-B3BC-4DD0-9AD3-E2CF2A43CB5D}" dt="2019-04-12T02:19:02.250" v="239" actId="1076"/>
-        <pc:sldMkLst>
-          <pc:docMk/>
-          <pc:sldMk cId="1427398272" sldId="279"/>
-        </pc:sldMkLst>
-        <pc:picChg chg="add mod">
-          <ac:chgData name="Chou Khang" userId="d451ba41b7051148" providerId="LiveId" clId="{A3E0E71D-B3BC-4DD0-9AD3-E2CF2A43CB5D}" dt="2019-04-12T02:19:02.250" v="239" actId="1076"/>
-          <ac:picMkLst>
-            <pc:docMk/>
-            <pc:sldMk cId="1427398272" sldId="279"/>
-            <ac:picMk id="2" creationId="{38A13A04-5C01-42E2-BA5C-BED05E66FA79}"/>
-          </ac:picMkLst>
-        </pc:picChg>
-      </pc:sldChg>
-      <pc:sldChg chg="modSp add">
-        <pc:chgData name="Chou Khang" userId="d451ba41b7051148" providerId="LiveId" clId="{A3E0E71D-B3BC-4DD0-9AD3-E2CF2A43CB5D}" dt="2019-04-12T02:22:08.869" v="257" actId="20577"/>
-        <pc:sldMkLst>
-          <pc:docMk/>
-          <pc:sldMk cId="359777818" sldId="280"/>
-        </pc:sldMkLst>
-        <pc:spChg chg="mod">
-          <ac:chgData name="Chou Khang" userId="d451ba41b7051148" providerId="LiveId" clId="{A3E0E71D-B3BC-4DD0-9AD3-E2CF2A43CB5D}" dt="2019-04-12T02:21:58.915" v="253" actId="20577"/>
-          <ac:spMkLst>
-            <pc:docMk/>
-            <pc:sldMk cId="359777818" sldId="280"/>
-            <ac:spMk id="2" creationId="{669B8667-CB1E-4E20-B11F-FFD303632795}"/>
-          </ac:spMkLst>
-        </pc:spChg>
-        <pc:spChg chg="mod">
-          <ac:chgData name="Chou Khang" userId="d451ba41b7051148" providerId="LiveId" clId="{A3E0E71D-B3BC-4DD0-9AD3-E2CF2A43CB5D}" dt="2019-04-12T02:22:08.869" v="257" actId="20577"/>
-          <ac:spMkLst>
-            <pc:docMk/>
-            <pc:sldMk cId="359777818" sldId="280"/>
-            <ac:spMk id="3" creationId="{A9BE4D08-C4E6-4F54-9F73-9E818D099530}"/>
-          </ac:spMkLst>
-        </pc:spChg>
-      </pc:sldChg>
-      <pc:sldChg chg="addSp delSp modSp add">
-        <pc:chgData name="Chou Khang" userId="d451ba41b7051148" providerId="LiveId" clId="{A3E0E71D-B3BC-4DD0-9AD3-E2CF2A43CB5D}" dt="2019-04-12T02:22:45.009" v="319" actId="20577"/>
-        <pc:sldMkLst>
-          <pc:docMk/>
-          <pc:sldMk cId="1436052270" sldId="281"/>
-        </pc:sldMkLst>
-        <pc:spChg chg="mod">
-          <ac:chgData name="Chou Khang" userId="d451ba41b7051148" providerId="LiveId" clId="{A3E0E71D-B3BC-4DD0-9AD3-E2CF2A43CB5D}" dt="2019-04-12T02:22:27.307" v="277" actId="20577"/>
-          <ac:spMkLst>
-            <pc:docMk/>
-            <pc:sldMk cId="1436052270" sldId="281"/>
-            <ac:spMk id="2" creationId="{46EBD34B-369D-49B0-AE42-E8AA3E03B580}"/>
-          </ac:spMkLst>
-        </pc:spChg>
-        <pc:spChg chg="del">
-          <ac:chgData name="Chou Khang" userId="d451ba41b7051148" providerId="LiveId" clId="{A3E0E71D-B3BC-4DD0-9AD3-E2CF2A43CB5D}" dt="2019-04-12T02:22:19.903" v="259"/>
-          <ac:spMkLst>
-            <pc:docMk/>
-            <pc:sldMk cId="1436052270" sldId="281"/>
-            <ac:spMk id="3" creationId="{1FEA4E24-9BE3-4285-B05C-D71E00ACD4DC}"/>
-          </ac:spMkLst>
-        </pc:spChg>
-        <pc:spChg chg="mod">
-          <ac:chgData name="Chou Khang" userId="d451ba41b7051148" providerId="LiveId" clId="{A3E0E71D-B3BC-4DD0-9AD3-E2CF2A43CB5D}" dt="2019-04-12T02:22:45.009" v="319" actId="20577"/>
-          <ac:spMkLst>
-            <pc:docMk/>
-            <pc:sldMk cId="1436052270" sldId="281"/>
-            <ac:spMk id="4" creationId="{FD343321-77A8-42B6-87E0-3DCED4B24220}"/>
-          </ac:spMkLst>
-        </pc:spChg>
-        <pc:picChg chg="add mod">
-          <ac:chgData name="Chou Khang" userId="d451ba41b7051148" providerId="LiveId" clId="{A3E0E71D-B3BC-4DD0-9AD3-E2CF2A43CB5D}" dt="2019-04-12T02:22:19.903" v="259"/>
-          <ac:picMkLst>
-            <pc:docMk/>
-            <pc:sldMk cId="1436052270" sldId="281"/>
-            <ac:picMk id="5" creationId="{BAB605AB-A903-4C23-8FFB-D4715FDC87A6}"/>
-          </ac:picMkLst>
-        </pc:picChg>
-      </pc:sldChg>
-    </pc:docChg>
-  </pc:docChgLst>
-</pc:chgInfo>
 </file>
 
 <file path=ppt/slideLayouts/slideLayout1.xml><?xml version="1.0" encoding="utf-8"?>
@@ -6288,6 +5958,410 @@
           <p:cNvPr id="2" name="Title 1">
             <a:extLst>
               <a:ext uri="{FF2B5EF4-FFF2-40B4-BE49-F238E27FC236}">
+                <a16:creationId xmlns:a16="http://schemas.microsoft.com/office/drawing/2014/main" id="{A937B947-3F41-4713-8245-DF55B3DA6F94}"/>
+              </a:ext>
+            </a:extLst>
+          </p:cNvPr>
+          <p:cNvSpPr>
+            <a:spLocks noGrp="1"/>
+          </p:cNvSpPr>
+          <p:nvPr>
+            <p:ph type="title"/>
+          </p:nvPr>
+        </p:nvSpPr>
+        <p:spPr>
+          <a:xfrm>
+            <a:off x="462637" y="899307"/>
+            <a:ext cx="4604663" cy="1371600"/>
+          </a:xfrm>
+        </p:spPr>
+        <p:txBody>
+          <a:bodyPr>
+            <a:noAutofit/>
+          </a:bodyPr>
+          <a:lstStyle/>
+          <a:p>
+            <a:r>
+              <a:rPr lang="en-US" sz="3200" dirty="0"/>
+              <a:t>Import Data into Pandas </a:t>
+            </a:r>
+            <a:r>
+              <a:rPr lang="en-US" sz="3200"/>
+              <a:t>DataFrame</a:t>
+            </a:r>
+            <a:r>
+              <a:rPr lang="en-US" sz="3200" dirty="0"/>
+              <a:t> and Cleaning the Data</a:t>
+            </a:r>
+          </a:p>
+        </p:txBody>
+      </p:sp>
+      <p:pic>
+        <p:nvPicPr>
+          <p:cNvPr id="9" name="Picture 8">
+            <a:extLst>
+              <a:ext uri="{FF2B5EF4-FFF2-40B4-BE49-F238E27FC236}">
+                <a16:creationId xmlns:a16="http://schemas.microsoft.com/office/drawing/2014/main" id="{C2777816-B575-4F52-AF88-25343CDCBC98}"/>
+              </a:ext>
+            </a:extLst>
+          </p:cNvPr>
+          <p:cNvPicPr>
+            <a:picLocks noChangeAspect="1"/>
+          </p:cNvPicPr>
+          <p:nvPr/>
+        </p:nvPicPr>
+        <p:blipFill>
+          <a:blip r:embed="rId2"/>
+          <a:stretch>
+            <a:fillRect/>
+          </a:stretch>
+        </p:blipFill>
+        <p:spPr>
+          <a:xfrm>
+            <a:off x="6825337" y="265867"/>
+            <a:ext cx="5099963" cy="3067270"/>
+          </a:xfrm>
+          <a:prstGeom prst="rect">
+            <a:avLst/>
+          </a:prstGeom>
+        </p:spPr>
+      </p:pic>
+      <p:pic>
+        <p:nvPicPr>
+          <p:cNvPr id="12" name="Picture 11">
+            <a:extLst>
+              <a:ext uri="{FF2B5EF4-FFF2-40B4-BE49-F238E27FC236}">
+                <a16:creationId xmlns:a16="http://schemas.microsoft.com/office/drawing/2014/main" id="{090881CF-1877-4227-8725-C0E4A3C2ADD2}"/>
+              </a:ext>
+            </a:extLst>
+          </p:cNvPr>
+          <p:cNvPicPr>
+            <a:picLocks noChangeAspect="1"/>
+          </p:cNvPicPr>
+          <p:nvPr/>
+        </p:nvPicPr>
+        <p:blipFill>
+          <a:blip r:embed="rId3"/>
+          <a:stretch>
+            <a:fillRect/>
+          </a:stretch>
+        </p:blipFill>
+        <p:spPr>
+          <a:xfrm>
+            <a:off x="462637" y="3333137"/>
+            <a:ext cx="6362700" cy="3073768"/>
+          </a:xfrm>
+          <a:prstGeom prst="rect">
+            <a:avLst/>
+          </a:prstGeom>
+        </p:spPr>
+      </p:pic>
+    </p:spTree>
+    <p:extLst>
+      <p:ext uri="{BB962C8B-B14F-4D97-AF65-F5344CB8AC3E}">
+        <p14:creationId xmlns:p14="http://schemas.microsoft.com/office/powerpoint/2010/main" val="3696543537"/>
+      </p:ext>
+    </p:extLst>
+  </p:cSld>
+  <p:clrMapOvr>
+    <a:masterClrMapping/>
+  </p:clrMapOvr>
+</p:sld>
+</file>
+
+<file path=ppt/slides/slide21.xml><?xml version="1.0" encoding="utf-8"?>
+<p:sld xmlns:a="http://schemas.openxmlformats.org/drawingml/2006/main" xmlns:r="http://schemas.openxmlformats.org/officeDocument/2006/relationships" xmlns:p="http://schemas.openxmlformats.org/presentationml/2006/main">
+  <p:cSld>
+    <p:spTree>
+      <p:nvGrpSpPr>
+        <p:cNvPr id="1" name=""/>
+        <p:cNvGrpSpPr/>
+        <p:nvPr/>
+      </p:nvGrpSpPr>
+      <p:grpSpPr>
+        <a:xfrm>
+          <a:off x="0" y="0"/>
+          <a:ext cx="0" cy="0"/>
+          <a:chOff x="0" y="0"/>
+          <a:chExt cx="0" cy="0"/>
+        </a:xfrm>
+      </p:grpSpPr>
+      <p:sp>
+        <p:nvSpPr>
+          <p:cNvPr id="2" name="Title 1">
+            <a:extLst>
+              <a:ext uri="{FF2B5EF4-FFF2-40B4-BE49-F238E27FC236}">
+                <a16:creationId xmlns:a16="http://schemas.microsoft.com/office/drawing/2014/main" id="{5EEC8998-443B-4FBD-AFFC-6FA9C7B0D30B}"/>
+              </a:ext>
+            </a:extLst>
+          </p:cNvPr>
+          <p:cNvSpPr>
+            <a:spLocks noGrp="1"/>
+          </p:cNvSpPr>
+          <p:nvPr>
+            <p:ph type="title"/>
+          </p:nvPr>
+        </p:nvSpPr>
+        <p:spPr/>
+        <p:txBody>
+          <a:bodyPr/>
+          <a:lstStyle/>
+          <a:p>
+            <a:r>
+              <a:rPr lang="en-US" dirty="0"/>
+              <a:t>Data Merging </a:t>
+            </a:r>
+          </a:p>
+        </p:txBody>
+      </p:sp>
+      <p:pic>
+        <p:nvPicPr>
+          <p:cNvPr id="4" name="Picture 3">
+            <a:extLst>
+              <a:ext uri="{FF2B5EF4-FFF2-40B4-BE49-F238E27FC236}">
+                <a16:creationId xmlns:a16="http://schemas.microsoft.com/office/drawing/2014/main" id="{37EEA2FA-D989-4704-9467-77BCBD1A3D1C}"/>
+              </a:ext>
+            </a:extLst>
+          </p:cNvPr>
+          <p:cNvPicPr>
+            <a:picLocks noChangeAspect="1"/>
+          </p:cNvPicPr>
+          <p:nvPr/>
+        </p:nvPicPr>
+        <p:blipFill>
+          <a:blip r:embed="rId2"/>
+          <a:stretch>
+            <a:fillRect/>
+          </a:stretch>
+        </p:blipFill>
+        <p:spPr>
+          <a:xfrm>
+            <a:off x="1143000" y="1881187"/>
+            <a:ext cx="9906000" cy="2333625"/>
+          </a:xfrm>
+          <a:prstGeom prst="rect">
+            <a:avLst/>
+          </a:prstGeom>
+        </p:spPr>
+      </p:pic>
+      <p:pic>
+        <p:nvPicPr>
+          <p:cNvPr id="5" name="Picture 4">
+            <a:extLst>
+              <a:ext uri="{FF2B5EF4-FFF2-40B4-BE49-F238E27FC236}">
+                <a16:creationId xmlns:a16="http://schemas.microsoft.com/office/drawing/2014/main" id="{649ECC68-4DDD-4BD5-9AAC-8405DF5C9AEF}"/>
+              </a:ext>
+            </a:extLst>
+          </p:cNvPr>
+          <p:cNvPicPr>
+            <a:picLocks noChangeAspect="1"/>
+          </p:cNvPicPr>
+          <p:nvPr/>
+        </p:nvPicPr>
+        <p:blipFill>
+          <a:blip r:embed="rId3"/>
+          <a:stretch>
+            <a:fillRect/>
+          </a:stretch>
+        </p:blipFill>
+        <p:spPr>
+          <a:xfrm>
+            <a:off x="1143000" y="4443412"/>
+            <a:ext cx="9906000" cy="1685925"/>
+          </a:xfrm>
+          <a:prstGeom prst="rect">
+            <a:avLst/>
+          </a:prstGeom>
+        </p:spPr>
+      </p:pic>
+    </p:spTree>
+    <p:extLst>
+      <p:ext uri="{BB962C8B-B14F-4D97-AF65-F5344CB8AC3E}">
+        <p14:creationId xmlns:p14="http://schemas.microsoft.com/office/powerpoint/2010/main" val="2839567228"/>
+      </p:ext>
+    </p:extLst>
+  </p:cSld>
+  <p:clrMapOvr>
+    <a:masterClrMapping/>
+  </p:clrMapOvr>
+</p:sld>
+</file>
+
+<file path=ppt/slides/slide22.xml><?xml version="1.0" encoding="utf-8"?>
+<p:sld xmlns:a="http://schemas.openxmlformats.org/drawingml/2006/main" xmlns:r="http://schemas.openxmlformats.org/officeDocument/2006/relationships" xmlns:p="http://schemas.openxmlformats.org/presentationml/2006/main">
+  <p:cSld>
+    <p:spTree>
+      <p:nvGrpSpPr>
+        <p:cNvPr id="1" name=""/>
+        <p:cNvGrpSpPr/>
+        <p:nvPr/>
+      </p:nvGrpSpPr>
+      <p:grpSpPr>
+        <a:xfrm>
+          <a:off x="0" y="0"/>
+          <a:ext cx="0" cy="0"/>
+          <a:chOff x="0" y="0"/>
+          <a:chExt cx="0" cy="0"/>
+        </a:xfrm>
+      </p:grpSpPr>
+      <p:sp>
+        <p:nvSpPr>
+          <p:cNvPr id="2" name="Title 1">
+            <a:extLst>
+              <a:ext uri="{FF2B5EF4-FFF2-40B4-BE49-F238E27FC236}">
+                <a16:creationId xmlns:a16="http://schemas.microsoft.com/office/drawing/2014/main" id="{BA53C46B-21F4-4020-BC12-DBE0B512D72C}"/>
+              </a:ext>
+            </a:extLst>
+          </p:cNvPr>
+          <p:cNvSpPr>
+            <a:spLocks noGrp="1"/>
+          </p:cNvSpPr>
+          <p:nvPr>
+            <p:ph type="title"/>
+          </p:nvPr>
+        </p:nvSpPr>
+        <p:spPr>
+          <a:xfrm>
+            <a:off x="300038" y="261594"/>
+            <a:ext cx="10058400" cy="1371600"/>
+          </a:xfrm>
+        </p:spPr>
+        <p:txBody>
+          <a:bodyPr/>
+          <a:lstStyle/>
+          <a:p>
+            <a:r>
+              <a:rPr lang="en-US" dirty="0"/>
+              <a:t>Plotting</a:t>
+            </a:r>
+          </a:p>
+        </p:txBody>
+      </p:sp>
+      <p:pic>
+        <p:nvPicPr>
+          <p:cNvPr id="6" name="Picture 5">
+            <a:extLst>
+              <a:ext uri="{FF2B5EF4-FFF2-40B4-BE49-F238E27FC236}">
+                <a16:creationId xmlns:a16="http://schemas.microsoft.com/office/drawing/2014/main" id="{33DD171B-C0E8-46F3-9271-0DF9368ED49D}"/>
+              </a:ext>
+            </a:extLst>
+          </p:cNvPr>
+          <p:cNvPicPr>
+            <a:picLocks noChangeAspect="1"/>
+          </p:cNvPicPr>
+          <p:nvPr/>
+        </p:nvPicPr>
+        <p:blipFill>
+          <a:blip r:embed="rId2"/>
+          <a:stretch>
+            <a:fillRect/>
+          </a:stretch>
+        </p:blipFill>
+        <p:spPr>
+          <a:xfrm>
+            <a:off x="747713" y="2179809"/>
+            <a:ext cx="5481637" cy="2940222"/>
+          </a:xfrm>
+          <a:prstGeom prst="rect">
+            <a:avLst/>
+          </a:prstGeom>
+        </p:spPr>
+      </p:pic>
+      <p:pic>
+        <p:nvPicPr>
+          <p:cNvPr id="7" name="Picture 6">
+            <a:extLst>
+              <a:ext uri="{FF2B5EF4-FFF2-40B4-BE49-F238E27FC236}">
+                <a16:creationId xmlns:a16="http://schemas.microsoft.com/office/drawing/2014/main" id="{D3125C7F-711F-4187-A5CA-C76F8981D627}"/>
+              </a:ext>
+            </a:extLst>
+          </p:cNvPr>
+          <p:cNvPicPr>
+            <a:picLocks noChangeAspect="1"/>
+          </p:cNvPicPr>
+          <p:nvPr/>
+        </p:nvPicPr>
+        <p:blipFill>
+          <a:blip r:embed="rId3"/>
+          <a:stretch>
+            <a:fillRect/>
+          </a:stretch>
+        </p:blipFill>
+        <p:spPr>
+          <a:xfrm>
+            <a:off x="7653339" y="501564"/>
+            <a:ext cx="3995736" cy="2594061"/>
+          </a:xfrm>
+          <a:prstGeom prst="rect">
+            <a:avLst/>
+          </a:prstGeom>
+        </p:spPr>
+      </p:pic>
+      <p:pic>
+        <p:nvPicPr>
+          <p:cNvPr id="8" name="Picture 7">
+            <a:extLst>
+              <a:ext uri="{FF2B5EF4-FFF2-40B4-BE49-F238E27FC236}">
+                <a16:creationId xmlns:a16="http://schemas.microsoft.com/office/drawing/2014/main" id="{CD8DC19D-722D-4F0E-9412-669E7C21C5FA}"/>
+              </a:ext>
+            </a:extLst>
+          </p:cNvPr>
+          <p:cNvPicPr>
+            <a:picLocks noChangeAspect="1"/>
+          </p:cNvPicPr>
+          <p:nvPr/>
+        </p:nvPicPr>
+        <p:blipFill>
+          <a:blip r:embed="rId4"/>
+          <a:stretch>
+            <a:fillRect/>
+          </a:stretch>
+        </p:blipFill>
+        <p:spPr>
+          <a:xfrm>
+            <a:off x="7653339" y="3429000"/>
+            <a:ext cx="3995736" cy="2867528"/>
+          </a:xfrm>
+          <a:prstGeom prst="rect">
+            <a:avLst/>
+          </a:prstGeom>
+        </p:spPr>
+      </p:pic>
+    </p:spTree>
+    <p:extLst>
+      <p:ext uri="{BB962C8B-B14F-4D97-AF65-F5344CB8AC3E}">
+        <p14:creationId xmlns:p14="http://schemas.microsoft.com/office/powerpoint/2010/main" val="2463994225"/>
+      </p:ext>
+    </p:extLst>
+  </p:cSld>
+  <p:clrMapOvr>
+    <a:masterClrMapping/>
+  </p:clrMapOvr>
+</p:sld>
+</file>
+
+<file path=ppt/slides/slide23.xml><?xml version="1.0" encoding="utf-8"?>
+<p:sld xmlns:a="http://schemas.openxmlformats.org/drawingml/2006/main" xmlns:r="http://schemas.openxmlformats.org/officeDocument/2006/relationships" xmlns:p="http://schemas.openxmlformats.org/presentationml/2006/main">
+  <p:cSld>
+    <p:spTree>
+      <p:nvGrpSpPr>
+        <p:cNvPr id="1" name=""/>
+        <p:cNvGrpSpPr/>
+        <p:nvPr/>
+      </p:nvGrpSpPr>
+      <p:grpSpPr>
+        <a:xfrm>
+          <a:off x="0" y="0"/>
+          <a:ext cx="0" cy="0"/>
+          <a:chOff x="0" y="0"/>
+          <a:chExt cx="0" cy="0"/>
+        </a:xfrm>
+      </p:grpSpPr>
+      <p:sp>
+        <p:nvSpPr>
+          <p:cNvPr id="2" name="Title 1">
+            <a:extLst>
+              <a:ext uri="{FF2B5EF4-FFF2-40B4-BE49-F238E27FC236}">
                 <a16:creationId xmlns:a16="http://schemas.microsoft.com/office/drawing/2014/main" id="{6F9C015B-ACEA-4501-B729-7E5812676820}"/>
               </a:ext>
             </a:extLst>
@@ -6349,7 +6423,7 @@
 </p:sld>
 </file>
 
-<file path=ppt/slides/slide21.xml><?xml version="1.0" encoding="utf-8"?>
+<file path=ppt/slides/slide24.xml><?xml version="1.0" encoding="utf-8"?>
 <p:sld xmlns:a="http://schemas.openxmlformats.org/drawingml/2006/main" xmlns:r="http://schemas.openxmlformats.org/officeDocument/2006/relationships" xmlns:p="http://schemas.openxmlformats.org/presentationml/2006/main">
   <p:cSld>
     <p:spTree>
@@ -6409,7 +6483,7 @@
 </p:sld>
 </file>
 
-<file path=ppt/slides/slide22.xml><?xml version="1.0" encoding="utf-8"?>
+<file path=ppt/slides/slide25.xml><?xml version="1.0" encoding="utf-8"?>
 <p:sld xmlns:a="http://schemas.openxmlformats.org/drawingml/2006/main" xmlns:r="http://schemas.openxmlformats.org/officeDocument/2006/relationships" xmlns:p="http://schemas.openxmlformats.org/presentationml/2006/main">
   <p:cSld>
     <p:spTree>
@@ -6469,7 +6543,7 @@
 </p:sld>
 </file>
 
-<file path=ppt/slides/slide23.xml><?xml version="1.0" encoding="utf-8"?>
+<file path=ppt/slides/slide26.xml><?xml version="1.0" encoding="utf-8"?>
 <p:sld xmlns:a="http://schemas.openxmlformats.org/drawingml/2006/main" xmlns:r="http://schemas.openxmlformats.org/officeDocument/2006/relationships" xmlns:p="http://schemas.openxmlformats.org/presentationml/2006/main">
   <p:cSld>
     <p:spTree>
